--- a/recognition_predictors_08012021.pptx
+++ b/recognition_predictors_08012021.pptx
@@ -3354,10 +3354,10 @@
       </p:sp>
       <p:pic>
         <p:nvPicPr>
-          <p:cNvPr id="5" name="Content Placeholder 4" descr="Chart, line chart&#10;&#10;Description automatically generated">
-            <a:extLst>
-              <a:ext uri="{FF2B5EF4-FFF2-40B4-BE49-F238E27FC236}">
-                <a16:creationId xmlns:a16="http://schemas.microsoft.com/office/drawing/2014/main" id="{080D6C7C-6F11-D64E-96EA-3B735A9EBD2F}"/>
+          <p:cNvPr id="9" name="Content Placeholder 8" descr="Chart&#10;&#10;Description automatically generated">
+            <a:extLst>
+              <a:ext uri="{FF2B5EF4-FFF2-40B4-BE49-F238E27FC236}">
+                <a16:creationId xmlns:a16="http://schemas.microsoft.com/office/drawing/2014/main" id="{30DD3169-F8F3-9944-AC87-A6018626EB06}"/>
               </a:ext>
             </a:extLst>
           </p:cNvPr>
@@ -3376,8 +3376,8 @@
         </p:blipFill>
         <p:spPr>
           <a:xfrm>
-            <a:off x="3202048" y="1825625"/>
-            <a:ext cx="5787904" cy="4351338"/>
+            <a:off x="3191638" y="1825625"/>
+            <a:ext cx="5808723" cy="4351338"/>
           </a:xfrm>
         </p:spPr>
       </p:pic>
